--- a/4_Praesentation/Powerpoint/ToDOListe.pptx
+++ b/4_Praesentation/Powerpoint/ToDOListe.pptx
@@ -7,10 +7,8 @@
   <p:sldIdLst>
     <p:sldId id="256" r:id="rId2"/>
     <p:sldId id="257" r:id="rId3"/>
-    <p:sldId id="258" r:id="rId4"/>
-    <p:sldId id="259" r:id="rId5"/>
-    <p:sldId id="260" r:id="rId6"/>
-    <p:sldId id="261" r:id="rId7"/>
+    <p:sldId id="262" r:id="rId4"/>
+    <p:sldId id="261" r:id="rId5"/>
   </p:sldIdLst>
   <p:sldSz cx="12192000" cy="6858000"/>
   <p:notesSz cx="6858000" cy="9144000"/>
@@ -109,7 +107,146 @@
       </a:defRPr>
     </a:lvl9pPr>
   </p:defaultTextStyle>
+  <p:extLst>
+    <p:ext uri="{EFAFB233-063F-42B5-8137-9DF3F51BA10A}">
+      <p15:sldGuideLst xmlns:p15="http://schemas.microsoft.com/office/powerpoint/2012/main"/>
+    </p:ext>
+  </p:extLst>
 </p:presentation>
+</file>
+
+<file path=ppt/changesInfos/changesInfo1.xml><?xml version="1.0" encoding="utf-8"?>
+<pc:chgInfo xmlns:a="http://schemas.openxmlformats.org/drawingml/2006/main" xmlns:r="http://schemas.openxmlformats.org/officeDocument/2006/relationships" xmlns:ac="http://schemas.microsoft.com/office/drawing/2013/main/command" xmlns:pc="http://schemas.microsoft.com/office/powerpoint/2013/main/command">
+  <pc:docChgLst>
+    <pc:chgData name="Felix Fischer" userId="68acbe35c31240ce" providerId="LiveId" clId="{CB34D658-6852-4A3D-965C-002272545B80}"/>
+    <pc:docChg chg="custSel addSld delSld modSld modShowInfo">
+      <pc:chgData name="Felix Fischer" userId="68acbe35c31240ce" providerId="LiveId" clId="{CB34D658-6852-4A3D-965C-002272545B80}" dt="2022-06-27T15:44:52.268" v="351" actId="5793"/>
+      <pc:docMkLst>
+        <pc:docMk/>
+      </pc:docMkLst>
+      <pc:sldChg chg="modSp mod">
+        <pc:chgData name="Felix Fischer" userId="68acbe35c31240ce" providerId="LiveId" clId="{CB34D658-6852-4A3D-965C-002272545B80}" dt="2022-06-27T15:36:43.213" v="83" actId="20577"/>
+        <pc:sldMkLst>
+          <pc:docMk/>
+          <pc:sldMk cId="3966561266" sldId="256"/>
+        </pc:sldMkLst>
+        <pc:spChg chg="mod">
+          <ac:chgData name="Felix Fischer" userId="68acbe35c31240ce" providerId="LiveId" clId="{CB34D658-6852-4A3D-965C-002272545B80}" dt="2022-06-27T15:36:43.213" v="83" actId="20577"/>
+          <ac:spMkLst>
+            <pc:docMk/>
+            <pc:sldMk cId="3966561266" sldId="256"/>
+            <ac:spMk id="2" creationId="{EB7DDD60-6B83-8A7A-C49D-097E799136F2}"/>
+          </ac:spMkLst>
+        </pc:spChg>
+      </pc:sldChg>
+      <pc:sldChg chg="modSp mod">
+        <pc:chgData name="Felix Fischer" userId="68acbe35c31240ce" providerId="LiveId" clId="{CB34D658-6852-4A3D-965C-002272545B80}" dt="2022-06-27T15:44:46.332" v="349" actId="20577"/>
+        <pc:sldMkLst>
+          <pc:docMk/>
+          <pc:sldMk cId="563804528" sldId="257"/>
+        </pc:sldMkLst>
+        <pc:spChg chg="mod">
+          <ac:chgData name="Felix Fischer" userId="68acbe35c31240ce" providerId="LiveId" clId="{CB34D658-6852-4A3D-965C-002272545B80}" dt="2022-06-27T15:37:21.599" v="96" actId="20577"/>
+          <ac:spMkLst>
+            <pc:docMk/>
+            <pc:sldMk cId="563804528" sldId="257"/>
+            <ac:spMk id="2" creationId="{52062755-C5F5-353A-BEF5-C7AFAB4FFEEF}"/>
+          </ac:spMkLst>
+        </pc:spChg>
+        <pc:spChg chg="mod">
+          <ac:chgData name="Felix Fischer" userId="68acbe35c31240ce" providerId="LiveId" clId="{CB34D658-6852-4A3D-965C-002272545B80}" dt="2022-06-27T15:44:46.332" v="349" actId="20577"/>
+          <ac:spMkLst>
+            <pc:docMk/>
+            <pc:sldMk cId="563804528" sldId="257"/>
+            <ac:spMk id="3" creationId="{E870861F-1A55-3D1A-F21A-F0A92F6C181A}"/>
+          </ac:spMkLst>
+        </pc:spChg>
+      </pc:sldChg>
+      <pc:sldChg chg="del">
+        <pc:chgData name="Felix Fischer" userId="68acbe35c31240ce" providerId="LiveId" clId="{CB34D658-6852-4A3D-965C-002272545B80}" dt="2022-06-27T15:38:27.212" v="172" actId="47"/>
+        <pc:sldMkLst>
+          <pc:docMk/>
+          <pc:sldMk cId="176778697" sldId="258"/>
+        </pc:sldMkLst>
+      </pc:sldChg>
+      <pc:sldChg chg="del">
+        <pc:chgData name="Felix Fischer" userId="68acbe35c31240ce" providerId="LiveId" clId="{CB34D658-6852-4A3D-965C-002272545B80}" dt="2022-06-27T15:38:28.176" v="173" actId="47"/>
+        <pc:sldMkLst>
+          <pc:docMk/>
+          <pc:sldMk cId="1057653419" sldId="259"/>
+        </pc:sldMkLst>
+      </pc:sldChg>
+      <pc:sldChg chg="del">
+        <pc:chgData name="Felix Fischer" userId="68acbe35c31240ce" providerId="LiveId" clId="{CB34D658-6852-4A3D-965C-002272545B80}" dt="2022-06-27T15:38:29.233" v="174" actId="47"/>
+        <pc:sldMkLst>
+          <pc:docMk/>
+          <pc:sldMk cId="3153815690" sldId="260"/>
+        </pc:sldMkLst>
+      </pc:sldChg>
+      <pc:sldChg chg="modSp mod">
+        <pc:chgData name="Felix Fischer" userId="68acbe35c31240ce" providerId="LiveId" clId="{CB34D658-6852-4A3D-965C-002272545B80}" dt="2022-06-27T15:43:17.549" v="252" actId="5793"/>
+        <pc:sldMkLst>
+          <pc:docMk/>
+          <pc:sldMk cId="3138717710" sldId="261"/>
+        </pc:sldMkLst>
+        <pc:spChg chg="mod">
+          <ac:chgData name="Felix Fischer" userId="68acbe35c31240ce" providerId="LiveId" clId="{CB34D658-6852-4A3D-965C-002272545B80}" dt="2022-06-27T15:43:17.549" v="252" actId="5793"/>
+          <ac:spMkLst>
+            <pc:docMk/>
+            <pc:sldMk cId="3138717710" sldId="261"/>
+            <ac:spMk id="3" creationId="{C4400EFB-A4F3-50DB-6E82-B01D42775129}"/>
+          </ac:spMkLst>
+        </pc:spChg>
+      </pc:sldChg>
+      <pc:sldChg chg="modSp new mod">
+        <pc:chgData name="Felix Fischer" userId="68acbe35c31240ce" providerId="LiveId" clId="{CB34D658-6852-4A3D-965C-002272545B80}" dt="2022-06-27T15:44:52.268" v="351" actId="5793"/>
+        <pc:sldMkLst>
+          <pc:docMk/>
+          <pc:sldMk cId="637245356" sldId="262"/>
+        </pc:sldMkLst>
+        <pc:spChg chg="mod">
+          <ac:chgData name="Felix Fischer" userId="68acbe35c31240ce" providerId="LiveId" clId="{CB34D658-6852-4A3D-965C-002272545B80}" dt="2022-06-27T15:43:28.102" v="263" actId="20577"/>
+          <ac:spMkLst>
+            <pc:docMk/>
+            <pc:sldMk cId="637245356" sldId="262"/>
+            <ac:spMk id="2" creationId="{EA9476BD-AAF5-3104-7BEB-A002CD3F98B6}"/>
+          </ac:spMkLst>
+        </pc:spChg>
+        <pc:spChg chg="mod">
+          <ac:chgData name="Felix Fischer" userId="68acbe35c31240ce" providerId="LiveId" clId="{CB34D658-6852-4A3D-965C-002272545B80}" dt="2022-06-27T15:44:52.268" v="351" actId="5793"/>
+          <ac:spMkLst>
+            <pc:docMk/>
+            <pc:sldMk cId="637245356" sldId="262"/>
+            <ac:spMk id="3" creationId="{374EF96A-50E3-05BC-6229-4594A22191C0}"/>
+          </ac:spMkLst>
+        </pc:spChg>
+      </pc:sldChg>
+      <pc:sldChg chg="modSp new del mod">
+        <pc:chgData name="Felix Fischer" userId="68acbe35c31240ce" providerId="LiveId" clId="{CB34D658-6852-4A3D-965C-002272545B80}" dt="2022-06-27T15:37:06.657" v="84" actId="47"/>
+        <pc:sldMkLst>
+          <pc:docMk/>
+          <pc:sldMk cId="3449093605" sldId="262"/>
+        </pc:sldMkLst>
+        <pc:spChg chg="mod">
+          <ac:chgData name="Felix Fischer" userId="68acbe35c31240ce" providerId="LiveId" clId="{CB34D658-6852-4A3D-965C-002272545B80}" dt="2022-06-27T15:32:20.564" v="30" actId="20577"/>
+          <ac:spMkLst>
+            <pc:docMk/>
+            <pc:sldMk cId="3449093605" sldId="262"/>
+            <ac:spMk id="2" creationId="{84514D74-3538-E92F-F7D4-FFB60B54A6DA}"/>
+          </ac:spMkLst>
+        </pc:spChg>
+        <pc:spChg chg="mod">
+          <ac:chgData name="Felix Fischer" userId="68acbe35c31240ce" providerId="LiveId" clId="{CB34D658-6852-4A3D-965C-002272545B80}" dt="2022-06-27T15:32:38.578" v="81" actId="20577"/>
+          <ac:spMkLst>
+            <pc:docMk/>
+            <pc:sldMk cId="3449093605" sldId="262"/>
+            <ac:spMk id="3" creationId="{A91B32E9-3E4C-2857-F646-A80815BD34B7}"/>
+          </ac:spMkLst>
+        </pc:spChg>
+      </pc:sldChg>
+    </pc:docChg>
+  </pc:docChgLst>
+</pc:chgInfo>
 </file>
 
 <file path=ppt/slideLayouts/slideLayout1.xml><?xml version="1.0" encoding="utf-8"?>
@@ -259,7 +396,7 @@
           <a:p>
             <a:fld id="{5D2F9230-07A7-4656-A31F-47EB4344CDAF}" type="datetimeFigureOut">
               <a:rPr lang="de-DE" smtClean="0"/>
-              <a:t>25.06.2022</a:t>
+              <a:t>26.06.2022</a:t>
             </a:fld>
             <a:endParaRPr lang="de-DE"/>
           </a:p>
@@ -457,7 +594,7 @@
           <a:p>
             <a:fld id="{5D2F9230-07A7-4656-A31F-47EB4344CDAF}" type="datetimeFigureOut">
               <a:rPr lang="de-DE" smtClean="0"/>
-              <a:t>25.06.2022</a:t>
+              <a:t>26.06.2022</a:t>
             </a:fld>
             <a:endParaRPr lang="de-DE"/>
           </a:p>
@@ -665,7 +802,7 @@
           <a:p>
             <a:fld id="{5D2F9230-07A7-4656-A31F-47EB4344CDAF}" type="datetimeFigureOut">
               <a:rPr lang="de-DE" smtClean="0"/>
-              <a:t>25.06.2022</a:t>
+              <a:t>26.06.2022</a:t>
             </a:fld>
             <a:endParaRPr lang="de-DE"/>
           </a:p>
@@ -863,7 +1000,7 @@
           <a:p>
             <a:fld id="{5D2F9230-07A7-4656-A31F-47EB4344CDAF}" type="datetimeFigureOut">
               <a:rPr lang="de-DE" smtClean="0"/>
-              <a:t>25.06.2022</a:t>
+              <a:t>26.06.2022</a:t>
             </a:fld>
             <a:endParaRPr lang="de-DE"/>
           </a:p>
@@ -1138,7 +1275,7 @@
           <a:p>
             <a:fld id="{5D2F9230-07A7-4656-A31F-47EB4344CDAF}" type="datetimeFigureOut">
               <a:rPr lang="de-DE" smtClean="0"/>
-              <a:t>25.06.2022</a:t>
+              <a:t>26.06.2022</a:t>
             </a:fld>
             <a:endParaRPr lang="de-DE"/>
           </a:p>
@@ -1403,7 +1540,7 @@
           <a:p>
             <a:fld id="{5D2F9230-07A7-4656-A31F-47EB4344CDAF}" type="datetimeFigureOut">
               <a:rPr lang="de-DE" smtClean="0"/>
-              <a:t>25.06.2022</a:t>
+              <a:t>26.06.2022</a:t>
             </a:fld>
             <a:endParaRPr lang="de-DE"/>
           </a:p>
@@ -1815,7 +1952,7 @@
           <a:p>
             <a:fld id="{5D2F9230-07A7-4656-A31F-47EB4344CDAF}" type="datetimeFigureOut">
               <a:rPr lang="de-DE" smtClean="0"/>
-              <a:t>25.06.2022</a:t>
+              <a:t>26.06.2022</a:t>
             </a:fld>
             <a:endParaRPr lang="de-DE"/>
           </a:p>
@@ -1956,7 +2093,7 @@
           <a:p>
             <a:fld id="{5D2F9230-07A7-4656-A31F-47EB4344CDAF}" type="datetimeFigureOut">
               <a:rPr lang="de-DE" smtClean="0"/>
-              <a:t>25.06.2022</a:t>
+              <a:t>26.06.2022</a:t>
             </a:fld>
             <a:endParaRPr lang="de-DE"/>
           </a:p>
@@ -2069,7 +2206,7 @@
           <a:p>
             <a:fld id="{5D2F9230-07A7-4656-A31F-47EB4344CDAF}" type="datetimeFigureOut">
               <a:rPr lang="de-DE" smtClean="0"/>
-              <a:t>25.06.2022</a:t>
+              <a:t>26.06.2022</a:t>
             </a:fld>
             <a:endParaRPr lang="de-DE"/>
           </a:p>
@@ -2380,7 +2517,7 @@
           <a:p>
             <a:fld id="{5D2F9230-07A7-4656-A31F-47EB4344CDAF}" type="datetimeFigureOut">
               <a:rPr lang="de-DE" smtClean="0"/>
-              <a:t>25.06.2022</a:t>
+              <a:t>26.06.2022</a:t>
             </a:fld>
             <a:endParaRPr lang="de-DE"/>
           </a:p>
@@ -2668,7 +2805,7 @@
           <a:p>
             <a:fld id="{5D2F9230-07A7-4656-A31F-47EB4344CDAF}" type="datetimeFigureOut">
               <a:rPr lang="de-DE" smtClean="0"/>
-              <a:t>25.06.2022</a:t>
+              <a:t>26.06.2022</a:t>
             </a:fld>
             <a:endParaRPr lang="de-DE"/>
           </a:p>
@@ -2909,7 +3046,7 @@
           <a:p>
             <a:fld id="{5D2F9230-07A7-4656-A31F-47EB4344CDAF}" type="datetimeFigureOut">
               <a:rPr lang="de-DE" smtClean="0"/>
-              <a:t>25.06.2022</a:t>
+              <a:t>26.06.2022</a:t>
             </a:fld>
             <a:endParaRPr lang="de-DE"/>
           </a:p>
@@ -3349,7 +3486,7 @@
           <a:p>
             <a:r>
               <a:rPr lang="de-DE" dirty="0" err="1"/>
-              <a:t>ToDOListe</a:t>
+              <a:t>ToDoListe</a:t>
             </a:r>
             <a:endParaRPr lang="de-DE" dirty="0"/>
           </a:p>
@@ -3475,7 +3612,7 @@
           <a:p>
             <a:r>
               <a:rPr lang="de-DE" dirty="0"/>
-              <a:t>GUI</a:t>
+              <a:t>Gliederung</a:t>
             </a:r>
           </a:p>
         </p:txBody>
@@ -3503,11 +3640,8 @@
           <a:p>
             <a:r>
               <a:rPr lang="de-DE" dirty="0"/>
-              <a:t>Vorbereitung</a:t>
-            </a:r>
-          </a:p>
-          <a:p>
-            <a:endParaRPr lang="de-DE" dirty="0"/>
+              <a:t>Vorbereitung/Idee</a:t>
+            </a:r>
           </a:p>
           <a:p>
             <a:r>
@@ -3516,10 +3650,33 @@
             </a:r>
           </a:p>
           <a:p>
-            <a:pPr marL="0" indent="0">
-              <a:buNone/>
-            </a:pPr>
+            <a:pPr lvl="1"/>
+            <a:r>
+              <a:rPr lang="de-DE" dirty="0"/>
+              <a:t>Datenbank</a:t>
+            </a:r>
+          </a:p>
+          <a:p>
+            <a:pPr lvl="1"/>
+            <a:r>
+              <a:rPr lang="de-DE" dirty="0"/>
+              <a:t>Grafische Oberfläche</a:t>
+            </a:r>
+          </a:p>
+          <a:p>
+            <a:pPr lvl="1"/>
+            <a:r>
+              <a:rPr lang="de-DE" dirty="0" err="1"/>
+              <a:t>ToDoliste</a:t>
+            </a:r>
             <a:endParaRPr lang="de-DE" dirty="0"/>
+          </a:p>
+          <a:p>
+            <a:pPr lvl="1"/>
+            <a:r>
+              <a:rPr lang="de-DE" dirty="0"/>
+              <a:t>Kalender</a:t>
+            </a:r>
           </a:p>
           <a:p>
             <a:r>
@@ -3565,7 +3722,7 @@
           <p:cNvPr id="2" name="Titel 1">
             <a:extLst>
               <a:ext uri="{FF2B5EF4-FFF2-40B4-BE49-F238E27FC236}">
-                <a16:creationId xmlns:a16="http://schemas.microsoft.com/office/drawing/2014/main" id="{6198995D-6E86-CD88-2A5D-7D6EDDFC3029}"/>
+                <a16:creationId xmlns:a16="http://schemas.microsoft.com/office/drawing/2014/main" id="{EA9476BD-AAF5-3104-7BEB-A002CD3F98B6}"/>
               </a:ext>
             </a:extLst>
           </p:cNvPr>
@@ -3582,52 +3739,68 @@
           <a:lstStyle/>
           <a:p>
             <a:r>
-              <a:rPr lang="de-DE" dirty="0" err="1"/>
-              <a:t>WindowBuilder</a:t>
-            </a:r>
+              <a:rPr lang="de-DE" dirty="0"/>
+              <a:t>Probleme</a:t>
+            </a:r>
+          </a:p>
+        </p:txBody>
+      </p:sp>
+      <p:sp>
+        <p:nvSpPr>
+          <p:cNvPr id="3" name="Inhaltsplatzhalter 2">
+            <a:extLst>
+              <a:ext uri="{FF2B5EF4-FFF2-40B4-BE49-F238E27FC236}">
+                <a16:creationId xmlns:a16="http://schemas.microsoft.com/office/drawing/2014/main" id="{374EF96A-50E3-05BC-6229-4594A22191C0}"/>
+              </a:ext>
+            </a:extLst>
+          </p:cNvPr>
+          <p:cNvSpPr>
+            <a:spLocks noGrp="1"/>
+          </p:cNvSpPr>
+          <p:nvPr>
+            <p:ph idx="1"/>
+          </p:nvPr>
+        </p:nvSpPr>
+        <p:spPr/>
+        <p:txBody>
+          <a:bodyPr/>
+          <a:lstStyle/>
+          <a:p>
+            <a:r>
+              <a:rPr lang="de-DE" dirty="0"/>
+              <a:t>Code zusammen führen</a:t>
+            </a:r>
+          </a:p>
+          <a:p>
+            <a:r>
+              <a:rPr lang="de-DE" dirty="0"/>
+              <a:t>Zeitmanagement </a:t>
+            </a:r>
+          </a:p>
+          <a:p>
+            <a:r>
+              <a:rPr lang="de-DE" dirty="0"/>
+              <a:t>Datenbank</a:t>
+            </a:r>
+          </a:p>
+          <a:p>
+            <a:r>
+              <a:rPr lang="de-DE" dirty="0"/>
+              <a:t>Icons/Images einfügen</a:t>
+            </a:r>
+          </a:p>
+          <a:p>
+            <a:pPr marL="0" indent="0">
+              <a:buNone/>
+            </a:pPr>
             <a:endParaRPr lang="de-DE" dirty="0"/>
           </a:p>
         </p:txBody>
       </p:sp>
-      <p:pic>
-        <p:nvPicPr>
-          <p:cNvPr id="5" name="Inhaltsplatzhalter 4">
-            <a:extLst>
-              <a:ext uri="{FF2B5EF4-FFF2-40B4-BE49-F238E27FC236}">
-                <a16:creationId xmlns:a16="http://schemas.microsoft.com/office/drawing/2014/main" id="{744770F4-8C03-A511-D2EB-42D0BFAB4B64}"/>
-              </a:ext>
-            </a:extLst>
-          </p:cNvPr>
-          <p:cNvPicPr>
-            <a:picLocks noGrp="1" noChangeAspect="1"/>
-          </p:cNvPicPr>
-          <p:nvPr>
-            <p:ph idx="1"/>
-          </p:nvPr>
-        </p:nvPicPr>
-        <p:blipFill>
-          <a:blip r:embed="rId2">
-            <a:extLst>
-              <a:ext uri="{28A0092B-C50C-407E-A947-70E740481C1C}">
-                <a14:useLocalDpi xmlns:a14="http://schemas.microsoft.com/office/drawing/2010/main" val="0"/>
-              </a:ext>
-            </a:extLst>
-          </a:blip>
-          <a:stretch>
-            <a:fillRect/>
-          </a:stretch>
-        </p:blipFill>
-        <p:spPr>
-          <a:xfrm>
-            <a:off x="2191161" y="1825625"/>
-            <a:ext cx="7809677" cy="4351338"/>
-          </a:xfrm>
-        </p:spPr>
-      </p:pic>
     </p:spTree>
     <p:extLst>
       <p:ext uri="{BB962C8B-B14F-4D97-AF65-F5344CB8AC3E}">
-        <p14:creationId xmlns:p14="http://schemas.microsoft.com/office/powerpoint/2010/main" val="176778697"/>
+        <p14:creationId xmlns:p14="http://schemas.microsoft.com/office/powerpoint/2010/main" val="637245356"/>
       </p:ext>
     </p:extLst>
   </p:cSld>
@@ -3659,186 +3832,6 @@
           <p:cNvPr id="2" name="Titel 1">
             <a:extLst>
               <a:ext uri="{FF2B5EF4-FFF2-40B4-BE49-F238E27FC236}">
-                <a16:creationId xmlns:a16="http://schemas.microsoft.com/office/drawing/2014/main" id="{42F56716-F350-360E-DC33-C682F7E42A13}"/>
-              </a:ext>
-            </a:extLst>
-          </p:cNvPr>
-          <p:cNvSpPr>
-            <a:spLocks noGrp="1"/>
-          </p:cNvSpPr>
-          <p:nvPr>
-            <p:ph type="title"/>
-          </p:nvPr>
-        </p:nvSpPr>
-        <p:spPr/>
-        <p:txBody>
-          <a:bodyPr/>
-          <a:lstStyle/>
-          <a:p>
-            <a:endParaRPr lang="de-DE"/>
-          </a:p>
-        </p:txBody>
-      </p:sp>
-      <p:pic>
-        <p:nvPicPr>
-          <p:cNvPr id="5" name="Inhaltsplatzhalter 4">
-            <a:extLst>
-              <a:ext uri="{FF2B5EF4-FFF2-40B4-BE49-F238E27FC236}">
-                <a16:creationId xmlns:a16="http://schemas.microsoft.com/office/drawing/2014/main" id="{F9835AD8-1A06-79CD-187D-96EB1092C758}"/>
-              </a:ext>
-            </a:extLst>
-          </p:cNvPr>
-          <p:cNvPicPr>
-            <a:picLocks noGrp="1" noChangeAspect="1"/>
-          </p:cNvPicPr>
-          <p:nvPr>
-            <p:ph idx="1"/>
-          </p:nvPr>
-        </p:nvPicPr>
-        <p:blipFill>
-          <a:blip r:embed="rId2">
-            <a:extLst>
-              <a:ext uri="{28A0092B-C50C-407E-A947-70E740481C1C}">
-                <a14:useLocalDpi xmlns:a14="http://schemas.microsoft.com/office/drawing/2010/main" val="0"/>
-              </a:ext>
-            </a:extLst>
-          </a:blip>
-          <a:stretch>
-            <a:fillRect/>
-          </a:stretch>
-        </p:blipFill>
-        <p:spPr>
-          <a:xfrm>
-            <a:off x="2180581" y="1825625"/>
-            <a:ext cx="7830837" cy="4351338"/>
-          </a:xfrm>
-        </p:spPr>
-      </p:pic>
-    </p:spTree>
-    <p:extLst>
-      <p:ext uri="{BB962C8B-B14F-4D97-AF65-F5344CB8AC3E}">
-        <p14:creationId xmlns:p14="http://schemas.microsoft.com/office/powerpoint/2010/main" val="1057653419"/>
-      </p:ext>
-    </p:extLst>
-  </p:cSld>
-  <p:clrMapOvr>
-    <a:masterClrMapping/>
-  </p:clrMapOvr>
-</p:sld>
-</file>
-
-<file path=ppt/slides/slide5.xml><?xml version="1.0" encoding="utf-8"?>
-<p:sld xmlns:a="http://schemas.openxmlformats.org/drawingml/2006/main" xmlns:r="http://schemas.openxmlformats.org/officeDocument/2006/relationships" xmlns:p="http://schemas.openxmlformats.org/presentationml/2006/main">
-  <p:cSld>
-    <p:spTree>
-      <p:nvGrpSpPr>
-        <p:cNvPr id="1" name=""/>
-        <p:cNvGrpSpPr/>
-        <p:nvPr/>
-      </p:nvGrpSpPr>
-      <p:grpSpPr>
-        <a:xfrm>
-          <a:off x="0" y="0"/>
-          <a:ext cx="0" cy="0"/>
-          <a:chOff x="0" y="0"/>
-          <a:chExt cx="0" cy="0"/>
-        </a:xfrm>
-      </p:grpSpPr>
-      <p:sp>
-        <p:nvSpPr>
-          <p:cNvPr id="2" name="Titel 1">
-            <a:extLst>
-              <a:ext uri="{FF2B5EF4-FFF2-40B4-BE49-F238E27FC236}">
-                <a16:creationId xmlns:a16="http://schemas.microsoft.com/office/drawing/2014/main" id="{467C3496-B594-1CC9-029A-CCDFF99AC26C}"/>
-              </a:ext>
-            </a:extLst>
-          </p:cNvPr>
-          <p:cNvSpPr>
-            <a:spLocks noGrp="1"/>
-          </p:cNvSpPr>
-          <p:nvPr>
-            <p:ph type="title"/>
-          </p:nvPr>
-        </p:nvSpPr>
-        <p:spPr/>
-        <p:txBody>
-          <a:bodyPr/>
-          <a:lstStyle/>
-          <a:p>
-            <a:endParaRPr lang="de-DE"/>
-          </a:p>
-        </p:txBody>
-      </p:sp>
-      <p:pic>
-        <p:nvPicPr>
-          <p:cNvPr id="5" name="Inhaltsplatzhalter 4">
-            <a:extLst>
-              <a:ext uri="{FF2B5EF4-FFF2-40B4-BE49-F238E27FC236}">
-                <a16:creationId xmlns:a16="http://schemas.microsoft.com/office/drawing/2014/main" id="{F6D362E2-46A5-7412-E0C3-408DE9FA9479}"/>
-              </a:ext>
-            </a:extLst>
-          </p:cNvPr>
-          <p:cNvPicPr>
-            <a:picLocks noGrp="1" noChangeAspect="1"/>
-          </p:cNvPicPr>
-          <p:nvPr>
-            <p:ph idx="1"/>
-          </p:nvPr>
-        </p:nvPicPr>
-        <p:blipFill>
-          <a:blip r:embed="rId2">
-            <a:extLst>
-              <a:ext uri="{28A0092B-C50C-407E-A947-70E740481C1C}">
-                <a14:useLocalDpi xmlns:a14="http://schemas.microsoft.com/office/drawing/2010/main" val="0"/>
-              </a:ext>
-            </a:extLst>
-          </a:blip>
-          <a:stretch>
-            <a:fillRect/>
-          </a:stretch>
-        </p:blipFill>
-        <p:spPr>
-          <a:xfrm>
-            <a:off x="2181370" y="1825625"/>
-            <a:ext cx="7829260" cy="4351338"/>
-          </a:xfrm>
-        </p:spPr>
-      </p:pic>
-    </p:spTree>
-    <p:extLst>
-      <p:ext uri="{BB962C8B-B14F-4D97-AF65-F5344CB8AC3E}">
-        <p14:creationId xmlns:p14="http://schemas.microsoft.com/office/powerpoint/2010/main" val="3153815690"/>
-      </p:ext>
-    </p:extLst>
-  </p:cSld>
-  <p:clrMapOvr>
-    <a:masterClrMapping/>
-  </p:clrMapOvr>
-</p:sld>
-</file>
-
-<file path=ppt/slides/slide6.xml><?xml version="1.0" encoding="utf-8"?>
-<p:sld xmlns:a="http://schemas.openxmlformats.org/drawingml/2006/main" xmlns:r="http://schemas.openxmlformats.org/officeDocument/2006/relationships" xmlns:p="http://schemas.openxmlformats.org/presentationml/2006/main">
-  <p:cSld>
-    <p:spTree>
-      <p:nvGrpSpPr>
-        <p:cNvPr id="1" name=""/>
-        <p:cNvGrpSpPr/>
-        <p:nvPr/>
-      </p:nvGrpSpPr>
-      <p:grpSpPr>
-        <a:xfrm>
-          <a:off x="0" y="0"/>
-          <a:ext cx="0" cy="0"/>
-          <a:chOff x="0" y="0"/>
-          <a:chExt cx="0" cy="0"/>
-        </a:xfrm>
-      </p:grpSpPr>
-      <p:sp>
-        <p:nvSpPr>
-          <p:cNvPr id="2" name="Titel 1">
-            <a:extLst>
-              <a:ext uri="{FF2B5EF4-FFF2-40B4-BE49-F238E27FC236}">
                 <a16:creationId xmlns:a16="http://schemas.microsoft.com/office/drawing/2014/main" id="{EA6D0E4A-612C-30FF-6F0C-B0459B4D65A2}"/>
               </a:ext>
             </a:extLst>
@@ -3890,18 +3883,12 @@
             </a:r>
           </a:p>
           <a:p>
-            <a:endParaRPr lang="de-DE" dirty="0"/>
-          </a:p>
-          <a:p>
             <a:r>
               <a:rPr lang="de-DE" dirty="0"/>
               <a:t>Gruppenarbeit mit GitHub anfangs schwierig zu koordinieren</a:t>
             </a:r>
           </a:p>
           <a:p>
-            <a:endParaRPr lang="de-DE" dirty="0"/>
-          </a:p>
-          <a:p>
             <a:r>
               <a:rPr lang="de-DE" dirty="0"/>
               <a:t>Viel Nebenwissen aneignen müssen (GitHub, </a:t>
@@ -3912,8 +3899,14 @@
             </a:r>
             <a:r>
               <a:rPr lang="de-DE" dirty="0"/>
-              <a:t>)</a:t>
-            </a:r>
+              <a:t>…)</a:t>
+            </a:r>
+          </a:p>
+          <a:p>
+            <a:pPr marL="0" indent="0">
+              <a:buNone/>
+            </a:pPr>
+            <a:endParaRPr lang="de-DE" dirty="0"/>
           </a:p>
         </p:txBody>
       </p:sp>
